--- a/about.pptx
+++ b/about.pptx
@@ -205,7 +205,7 @@
           <a:p>
             <a:fld id="{6A973A30-4E8D-4F5A-A660-0CF9FA0EA0CF}" type="datetimeFigureOut">
               <a:rPr lang="en-IN" smtClean="0"/>
-              <a:t>21-04-2025</a:t>
+              <a:t>17-05-2025</a:t>
             </a:fld>
             <a:endParaRPr lang="en-IN"/>
           </a:p>
@@ -5466,8 +5466,8 @@
         </p:nvSpPr>
         <p:spPr bwMode="auto">
           <a:xfrm rot="10800000" flipV="1">
-            <a:off x="2364711" y="3643953"/>
-            <a:ext cx="7462577" cy="1200329"/>
+            <a:off x="2364711" y="3595093"/>
+            <a:ext cx="7462577" cy="1477328"/>
           </a:xfrm>
           <a:prstGeom prst="rect">
             <a:avLst/>
@@ -5540,7 +5540,7 @@
                 <a:effectLst/>
                 <a:latin typeface="Arial" panose="020B0604020202020204" pitchFamily="34" charset="0"/>
               </a:rPr>
-              <a:t>Mohith V</a:t>
+              <a:t>Ibrahim Bagwan</a:t>
             </a:r>
             <a:r>
               <a:rPr kumimoji="0" lang="en-US" altLang="en-US" sz="1800" b="0" i="0" u="none" strike="noStrike" cap="none" normalizeH="0" baseline="0" dirty="0">
@@ -5553,8 +5553,18 @@
                 <a:effectLst/>
                 <a:latin typeface="Arial" panose="020B0604020202020204" pitchFamily="34" charset="0"/>
               </a:rPr>
-              <a:t> 			1RV23AI057</a:t>
-            </a:r>
+              <a:t> 		1RV24AI404</a:t>
+            </a:r>
+            <a:endParaRPr kumimoji="0" lang="en-US" altLang="en-US" sz="1800" b="1" i="0" u="none" strike="noStrike" cap="none" normalizeH="0" baseline="0" dirty="0">
+              <a:ln>
+                <a:noFill/>
+              </a:ln>
+              <a:solidFill>
+                <a:schemeClr val="tx1"/>
+              </a:solidFill>
+              <a:effectLst/>
+              <a:latin typeface="Arial" panose="020B0604020202020204" pitchFamily="34" charset="0"/>
+            </a:endParaRPr>
           </a:p>
           <a:p>
             <a:pPr marL="0" marR="0" lvl="0" indent="0" algn="l" defTabSz="914400" rtl="0" eaLnBrk="0" fontAlgn="base" latinLnBrk="0" hangingPunct="0">
@@ -5582,7 +5592,7 @@
                 <a:effectLst/>
                 <a:latin typeface="Arial" panose="020B0604020202020204" pitchFamily="34" charset="0"/>
               </a:rPr>
-              <a:t>Mohit M</a:t>
+              <a:t>Mohith V</a:t>
             </a:r>
             <a:r>
               <a:rPr kumimoji="0" lang="en-US" altLang="en-US" sz="1800" b="0" i="0" u="none" strike="noStrike" cap="none" normalizeH="0" baseline="0" dirty="0">
@@ -5595,7 +5605,7 @@
                 <a:effectLst/>
                 <a:latin typeface="Arial" panose="020B0604020202020204" pitchFamily="34" charset="0"/>
               </a:rPr>
-              <a:t> 			1RV23AI056</a:t>
+              <a:t> 			1RV23AI057</a:t>
             </a:r>
           </a:p>
           <a:p>
@@ -5614,27 +5624,31 @@
               <a:tabLst/>
             </a:pPr>
             <a:r>
-              <a:rPr lang="en-US" altLang="en-US" b="1" dirty="0">
+              <a:rPr kumimoji="0" lang="en-US" altLang="en-US" sz="1800" b="1" i="0" u="none" strike="noStrike" cap="none" normalizeH="0" baseline="0" dirty="0">
+                <a:ln>
+                  <a:noFill/>
+                </a:ln>
+                <a:solidFill>
+                  <a:schemeClr val="tx1"/>
+                </a:solidFill>
+                <a:effectLst/>
                 <a:latin typeface="Arial" panose="020B0604020202020204" pitchFamily="34" charset="0"/>
               </a:rPr>
-              <a:t>Pratamesh</a:t>
-            </a:r>
-            <a:r>
-              <a:rPr lang="en-US" altLang="en-US" dirty="0">
+              <a:t>Mohit M</a:t>
+            </a:r>
+            <a:r>
+              <a:rPr kumimoji="0" lang="en-US" altLang="en-US" sz="1800" b="0" i="0" u="none" strike="noStrike" cap="none" normalizeH="0" baseline="0" dirty="0">
+                <a:ln>
+                  <a:noFill/>
+                </a:ln>
+                <a:solidFill>
+                  <a:schemeClr val="tx1"/>
+                </a:solidFill>
+                <a:effectLst/>
                 <a:latin typeface="Arial" panose="020B0604020202020204" pitchFamily="34" charset="0"/>
               </a:rPr>
-              <a:t> 			1RV23AI134</a:t>
-            </a:r>
-            <a:endParaRPr kumimoji="0" lang="en-US" altLang="en-US" sz="1800" b="0" i="0" u="none" strike="noStrike" cap="none" normalizeH="0" baseline="0" dirty="0">
-              <a:ln>
-                <a:noFill/>
-              </a:ln>
-              <a:solidFill>
-                <a:schemeClr val="tx1"/>
-              </a:solidFill>
-              <a:effectLst/>
-              <a:latin typeface="Arial" panose="020B0604020202020204" pitchFamily="34" charset="0"/>
-            </a:endParaRPr>
+              <a:t> 			1RV23AI056</a:t>
+            </a:r>
           </a:p>
           <a:p>
             <a:pPr marL="0" marR="0" lvl="0" indent="0" algn="l" defTabSz="914400" rtl="0" eaLnBrk="0" fontAlgn="base" latinLnBrk="0" hangingPunct="0">
@@ -5652,18 +5666,43 @@
               <a:tabLst/>
             </a:pPr>
             <a:r>
-              <a:rPr kumimoji="0" lang="en-US" altLang="en-US" sz="1800" b="1" i="0" u="none" strike="noStrike" cap="none" normalizeH="0" baseline="0" dirty="0">
-                <a:ln>
-                  <a:noFill/>
-                </a:ln>
-                <a:solidFill>
-                  <a:schemeClr val="tx1"/>
-                </a:solidFill>
-                <a:effectLst/>
+              <a:rPr lang="en-US" altLang="en-US" b="1" dirty="0">
                 <a:latin typeface="Arial" panose="020B0604020202020204" pitchFamily="34" charset="0"/>
               </a:rPr>
-              <a:t>Ibrahim Bagwan</a:t>
-            </a:r>
+              <a:t>Pratamesh</a:t>
+            </a:r>
+            <a:r>
+              <a:rPr lang="en-US" altLang="en-US" dirty="0">
+                <a:latin typeface="Arial" panose="020B0604020202020204" pitchFamily="34" charset="0"/>
+              </a:rPr>
+              <a:t> 			1RV23AI134</a:t>
+            </a:r>
+            <a:endParaRPr kumimoji="0" lang="en-US" altLang="en-US" sz="1800" b="0" i="0" u="none" strike="noStrike" cap="none" normalizeH="0" baseline="0" dirty="0">
+              <a:ln>
+                <a:noFill/>
+              </a:ln>
+              <a:solidFill>
+                <a:schemeClr val="tx1"/>
+              </a:solidFill>
+              <a:effectLst/>
+              <a:latin typeface="Arial" panose="020B0604020202020204" pitchFamily="34" charset="0"/>
+            </a:endParaRPr>
+          </a:p>
+          <a:p>
+            <a:pPr marL="0" marR="0" lvl="0" indent="0" algn="l" defTabSz="914400" rtl="0" eaLnBrk="0" fontAlgn="base" latinLnBrk="0" hangingPunct="0">
+              <a:lnSpc>
+                <a:spcPct val="100000"/>
+              </a:lnSpc>
+              <a:spcBef>
+                <a:spcPct val="0"/>
+              </a:spcBef>
+              <a:spcAft>
+                <a:spcPct val="0"/>
+              </a:spcAft>
+              <a:buClrTx/>
+              <a:buSzTx/>
+              <a:tabLst/>
+            </a:pPr>
             <a:r>
               <a:rPr kumimoji="0" lang="en-US" altLang="en-US" sz="1800" b="0" i="0" u="none" strike="noStrike" cap="none" normalizeH="0" baseline="0" dirty="0">
                 <a:ln>
@@ -5675,7 +5714,7 @@
                 <a:effectLst/>
                 <a:latin typeface="Arial" panose="020B0604020202020204" pitchFamily="34" charset="0"/>
               </a:rPr>
-              <a:t> 		1RV24AI404</a:t>
+              <a:t>		</a:t>
             </a:r>
           </a:p>
         </p:txBody>
@@ -7110,7 +7149,12 @@
             <p:ph idx="1"/>
           </p:nvPr>
         </p:nvSpPr>
-        <p:spPr/>
+        <p:spPr>
+          <a:xfrm>
+            <a:off x="174812" y="787226"/>
+            <a:ext cx="11842376" cy="5379104"/>
+          </a:xfrm>
+        </p:spPr>
         <p:txBody>
           <a:bodyPr>
             <a:normAutofit/>
